--- a/9.Deep_learning/class/11.0 DEEP LEARNING/class_3_module_9_deep learning_Loss_Functions Gradient Descent.pptx
+++ b/9.Deep_learning/class/11.0 DEEP LEARNING/class_3_module_9_deep learning_Loss_Functions Gradient Descent.pptx
@@ -10202,7 +10202,7 @@
         </p:nvSpPr>
         <p:spPr>
           <a:xfrm>
-            <a:off x="148590" y="108585"/>
+            <a:off x="135890" y="108585"/>
             <a:ext cx="5560695" cy="6520180"/>
           </a:xfrm>
           <a:prstGeom prst="rect">
